--- a/IntroCyberSecurity/Module 2 Cryptography/Lesson_2_Symmetric_and_Asymmetric Cryptography.pptx
+++ b/IntroCyberSecurity/Module 2 Cryptography/Lesson_2_Symmetric_and_Asymmetric Cryptography.pptx
@@ -287,7 +287,7 @@
           <a:p>
             <a:fld id="{E8B7D031-8E08-E042-A4B0-A044082812C5}" type="datetimeFigureOut">
               <a:rPr lang="en-US" smtClean="0"/>
-              <a:t>3/31/18</a:t>
+              <a:t>4/3/18</a:t>
             </a:fld>
             <a:endParaRPr lang="en-US"/>
           </a:p>
@@ -480,7 +480,7 @@
               <a:pPr>
                 <a:defRPr/>
               </a:pPr>
-              <a:t>3/30/18</a:t>
+              <a:t>4/3/18</a:t>
             </a:fld>
             <a:endParaRPr lang="en-US"/>
           </a:p>
@@ -4158,8 +4158,8 @@
           </a:p>
         </p:txBody>
       </p:sp>
-      <mc:AlternateContent xmlns:mc="http://schemas.openxmlformats.org/markup-compatibility/2006">
-        <mc:Choice xmlns:a14="http://schemas.microsoft.com/office/drawing/2010/main" Requires="a14">
+      <mc:AlternateContent xmlns:mc="http://schemas.openxmlformats.org/markup-compatibility/2006" xmlns:a14="http://schemas.microsoft.com/office/drawing/2010/main">
+        <mc:Choice Requires="a14">
           <p:sp>
             <p:nvSpPr>
               <p:cNvPr id="3" name="Content Placeholder 2"/>
@@ -4250,7 +4250,7 @@
             </p:txBody>
           </p:sp>
         </mc:Choice>
-        <mc:Fallback>
+        <mc:Fallback xmlns="">
           <p:sp>
             <p:nvSpPr>
               <p:cNvPr id="3" name="Content Placeholder 2"/>
@@ -4476,8 +4476,8 @@
           </a:p>
         </p:txBody>
       </p:sp>
-      <mc:AlternateContent xmlns:mc="http://schemas.openxmlformats.org/markup-compatibility/2006">
-        <mc:Choice xmlns:a14="http://schemas.microsoft.com/office/drawing/2010/main" Requires="a14">
+      <mc:AlternateContent xmlns:mc="http://schemas.openxmlformats.org/markup-compatibility/2006" xmlns:a14="http://schemas.microsoft.com/office/drawing/2010/main">
+        <mc:Choice Requires="a14">
           <p:sp>
             <p:nvSpPr>
               <p:cNvPr id="30724" name="Rectangle 3"/>
@@ -4629,18 +4629,14 @@
                 <a:pPr lvl="1"/>
                 <a:r>
                   <a:rPr lang="en-US" altLang="en-US" dirty="0" smtClean="0"/>
-                  <a:t>where K1 and K2 are two keys</a:t>
-                </a:r>
-                <a:r>
-                  <a:rPr lang="en-US" altLang="en-US" dirty="0" smtClean="0"/>
-                  <a:t>.</a:t>
+                  <a:t>where K1 and K2 are two keys.</a:t>
                 </a:r>
                 <a:endParaRPr lang="en-US" altLang="en-US" dirty="0"/>
               </a:p>
             </p:txBody>
           </p:sp>
         </mc:Choice>
-        <mc:Fallback>
+        <mc:Fallback xmlns="">
           <p:sp>
             <p:nvSpPr>
               <p:cNvPr id="30724" name="Rectangle 3"/>
@@ -4734,8 +4730,8 @@
           </a:p>
         </p:txBody>
       </p:sp>
-      <mc:AlternateContent xmlns:mc="http://schemas.openxmlformats.org/markup-compatibility/2006">
-        <mc:Choice xmlns:a14="http://schemas.microsoft.com/office/drawing/2010/main" Requires="a14">
+      <mc:AlternateContent xmlns:mc="http://schemas.openxmlformats.org/markup-compatibility/2006" xmlns:a14="http://schemas.microsoft.com/office/drawing/2010/main">
+        <mc:Choice Requires="a14">
           <p:sp>
             <p:nvSpPr>
               <p:cNvPr id="31748" name="Rectangle 3"/>
@@ -4871,7 +4867,7 @@
             </p:txBody>
           </p:sp>
         </mc:Choice>
-        <mc:Fallback>
+        <mc:Fallback xmlns="">
           <p:sp>
             <p:nvSpPr>
               <p:cNvPr id="31748" name="Rectangle 3"/>
@@ -4965,8 +4961,8 @@
           </a:p>
         </p:txBody>
       </p:sp>
-      <mc:AlternateContent xmlns:mc="http://schemas.openxmlformats.org/markup-compatibility/2006">
-        <mc:Choice xmlns:a14="http://schemas.microsoft.com/office/drawing/2010/main" Requires="a14">
+      <mc:AlternateContent xmlns:mc="http://schemas.openxmlformats.org/markup-compatibility/2006" xmlns:a14="http://schemas.microsoft.com/office/drawing/2010/main">
+        <mc:Choice Requires="a14">
           <p:sp>
             <p:nvSpPr>
               <p:cNvPr id="3" name="Content Placeholder 2"/>
@@ -5180,7 +5176,7 @@
             </p:txBody>
           </p:sp>
         </mc:Choice>
-        <mc:Fallback>
+        <mc:Fallback xmlns="">
           <p:sp>
             <p:nvSpPr>
               <p:cNvPr id="3" name="Content Placeholder 2"/>
@@ -6086,7 +6082,6 @@
               <a:rPr lang="en-US" altLang="en-US" dirty="0"/>
               <a:t>Became Federal Information Processing Standard 197 (FIPS 197)</a:t>
             </a:r>
-            <a:endParaRPr lang="en-US" altLang="en-US" dirty="0"/>
           </a:p>
         </p:txBody>
       </p:sp>
@@ -6521,7 +6516,11 @@
           <a:p>
             <a:r>
               <a:rPr lang="en-US" altLang="en-US" dirty="0" smtClean="0"/>
-              <a:t>AES Algorithm cycle cont.</a:t>
+              <a:t>AES Algorithm cycle </a:t>
+            </a:r>
+            <a:r>
+              <a:rPr lang="en-US" altLang="en-US" dirty="0" smtClean="0"/>
+              <a:t>(cont.)</a:t>
             </a:r>
             <a:endParaRPr lang="en-US" altLang="en-US" dirty="0"/>
           </a:p>
@@ -6864,7 +6863,6 @@
               <a:rPr lang="en-US" altLang="en-US" dirty="0" smtClean="0"/>
               <a:t>secret</a:t>
             </a:r>
-            <a:endParaRPr lang="en-US" altLang="en-US" dirty="0" smtClean="0"/>
           </a:p>
           <a:p>
             <a:r>
@@ -6945,7 +6943,11 @@
             </a:r>
             <a:r>
               <a:rPr lang="en-US" altLang="en-US" dirty="0" smtClean="0"/>
-              <a:t>Cryptography cont.</a:t>
+              <a:t>Cryptography </a:t>
+            </a:r>
+            <a:r>
+              <a:rPr lang="en-US" altLang="en-US" dirty="0" smtClean="0"/>
+              <a:t>(cont.)</a:t>
             </a:r>
             <a:endParaRPr lang="en-US" altLang="en-US" dirty="0"/>
           </a:p>
@@ -6980,11 +6982,7 @@
           <a:p>
             <a:r>
               <a:rPr lang="en-US" altLang="en-US" dirty="0" smtClean="0"/>
-              <a:t>Each user in a network has a pair of keys associated with him/her (</a:t>
-            </a:r>
-            <a:r>
-              <a:rPr lang="en-US" altLang="en-US" dirty="0" smtClean="0"/>
-              <a:t>Public key &amp; private key)</a:t>
+              <a:t>Each user in a network has a pair of keys associated with him/her (Public key &amp; private key)</a:t>
             </a:r>
           </a:p>
           <a:p>
@@ -7058,8 +7056,8 @@
           </a:p>
         </p:txBody>
       </p:sp>
-      <mc:AlternateContent xmlns:mc="http://schemas.openxmlformats.org/markup-compatibility/2006">
-        <mc:Choice xmlns:a14="http://schemas.microsoft.com/office/drawing/2010/main" Requires="a14">
+      <mc:AlternateContent xmlns:mc="http://schemas.openxmlformats.org/markup-compatibility/2006" xmlns:a14="http://schemas.microsoft.com/office/drawing/2010/main">
+        <mc:Choice Requires="a14">
           <p:sp>
             <p:nvSpPr>
               <p:cNvPr id="18436" name="Rectangle 3"/>
@@ -7205,7 +7203,7 @@
             </p:txBody>
           </p:sp>
         </mc:Choice>
-        <mc:Fallback>
+        <mc:Fallback xmlns="">
           <p:sp>
             <p:nvSpPr>
               <p:cNvPr id="18436" name="Rectangle 3"/>
@@ -7309,8 +7307,8 @@
           </a:p>
         </p:txBody>
       </p:sp>
-      <mc:AlternateContent xmlns:mc="http://schemas.openxmlformats.org/markup-compatibility/2006">
-        <mc:Choice xmlns:a14="http://schemas.microsoft.com/office/drawing/2010/main" Requires="a14">
+      <mc:AlternateContent xmlns:mc="http://schemas.openxmlformats.org/markup-compatibility/2006" xmlns:a14="http://schemas.microsoft.com/office/drawing/2010/main">
+        <mc:Choice Requires="a14">
           <p:sp>
             <p:nvSpPr>
               <p:cNvPr id="3" name="Content Placeholder 2">
@@ -7349,27 +7347,39 @@
                 <a14:m>
                   <m:oMath xmlns:m="http://schemas.openxmlformats.org/officeDocument/2006/math">
                     <m:r>
-                      <a:rPr lang="en-US" smtClean="0"/>
+                      <a:rPr lang="en-US" smtClean="0">
+                        <a:latin typeface="Cambria Math" charset="0"/>
+                      </a:rPr>
                       <m:t>𝑔𝑐𝑑</m:t>
                     </m:r>
                     <m:r>
-                      <a:rPr lang="en-US" smtClean="0"/>
+                      <a:rPr lang="en-US" smtClean="0">
+                        <a:latin typeface="Cambria Math" charset="0"/>
+                      </a:rPr>
                       <m:t>(</m:t>
                     </m:r>
                     <m:r>
-                      <a:rPr lang="en-US" smtClean="0"/>
+                      <a:rPr lang="en-US" smtClean="0">
+                        <a:latin typeface="Cambria Math" charset="0"/>
+                      </a:rPr>
                       <m:t>𝑎</m:t>
                     </m:r>
                     <m:r>
-                      <a:rPr lang="en-US" smtClean="0"/>
+                      <a:rPr lang="en-US" smtClean="0">
+                        <a:latin typeface="Cambria Math" charset="0"/>
+                      </a:rPr>
                       <m:t>,</m:t>
                     </m:r>
                     <m:r>
-                      <a:rPr lang="en-US" smtClean="0"/>
+                      <a:rPr lang="en-US" smtClean="0">
+                        <a:latin typeface="Cambria Math" charset="0"/>
+                      </a:rPr>
                       <m:t>𝑏</m:t>
                     </m:r>
                     <m:r>
-                      <a:rPr lang="en-US" smtClean="0"/>
+                      <a:rPr lang="en-US" smtClean="0">
+                        <a:latin typeface="Cambria Math" charset="0"/>
+                      </a:rPr>
                       <m:t>)=1</m:t>
                     </m:r>
                   </m:oMath>
@@ -7448,7 +7458,7 @@
             </p:txBody>
           </p:sp>
         </mc:Choice>
-        <mc:Fallback>
+        <mc:Fallback xmlns="">
           <p:sp>
             <p:nvSpPr>
               <p:cNvPr id="3" name="Content Placeholder 2">
@@ -7548,7 +7558,11 @@
           <a:p>
             <a:r>
               <a:rPr lang="en-US" dirty="0" smtClean="0"/>
-              <a:t>Euler's totient function cont.</a:t>
+              <a:t>Euler's totient function </a:t>
+            </a:r>
+            <a:r>
+              <a:rPr lang="en-US" dirty="0" smtClean="0"/>
+              <a:t>(cont.)</a:t>
             </a:r>
             <a:endParaRPr lang="en-US" dirty="0"/>
           </a:p>
@@ -8213,16 +8227,18 @@
           <a:p>
             <a:pPr lvl="1"/>
             <a:r>
-              <a:rPr lang="en-US" dirty="0" smtClean="0"/>
+              <a:rPr lang="en-US" dirty="0"/>
               <a:t>Students will be able to understand the differences between symmetric and asymmetric algorithms. </a:t>
             </a:r>
+            <a:endParaRPr lang="en-US" sz="2000" dirty="0"/>
           </a:p>
           <a:p>
             <a:pPr lvl="1"/>
             <a:r>
-              <a:rPr lang="en-US" dirty="0" smtClean="0"/>
-              <a:t>Students will be able to describe which cryptographic techniques are appropriate for a given situation. </a:t>
-            </a:r>
+              <a:rPr lang="en-US" dirty="0"/>
+              <a:t>Students will be able to demonstrate which cryptographic techniques are appropriate for a given situation. </a:t>
+            </a:r>
+            <a:endParaRPr lang="en-US" sz="2000" dirty="0"/>
           </a:p>
           <a:p>
             <a:endParaRPr lang="en-US" dirty="0"/>
@@ -8738,11 +8754,7 @@
             </a:r>
             <a:r>
               <a:rPr lang="en-US" altLang="en-US" dirty="0" smtClean="0"/>
-              <a:t> = 7</a:t>
-            </a:r>
-            <a:r>
-              <a:rPr lang="en-US" altLang="en-US" dirty="0" smtClean="0"/>
-              <a:t>, </a:t>
+              <a:t> = 7, </a:t>
             </a:r>
             <a:r>
               <a:rPr lang="en-US" altLang="en-US" i="1" dirty="0" smtClean="0"/>
@@ -8887,7 +8899,11 @@
             </a:r>
             <a:r>
               <a:rPr lang="en-US" altLang="en-US" dirty="0" smtClean="0"/>
-              <a:t>example cont.</a:t>
+              <a:t>example </a:t>
+            </a:r>
+            <a:r>
+              <a:rPr lang="en-US" altLang="en-US" dirty="0" smtClean="0"/>
+              <a:t>(cont.)</a:t>
             </a:r>
             <a:endParaRPr lang="en-US" altLang="en-US" dirty="0"/>
           </a:p>
@@ -9237,7 +9253,6 @@
               <a:rPr lang="en-US" altLang="en-US" dirty="0"/>
               <a:t>example</a:t>
             </a:r>
-            <a:endParaRPr lang="en-US" altLang="en-US" dirty="0"/>
           </a:p>
         </p:txBody>
       </p:sp>
@@ -9363,7 +9378,6 @@
               <a:rPr lang="en-US" altLang="en-US" dirty="0"/>
               <a:t>example</a:t>
             </a:r>
-            <a:endParaRPr lang="en-US" altLang="en-US" dirty="0"/>
           </a:p>
         </p:txBody>
       </p:sp>
@@ -9499,7 +9513,11 @@
             </a:r>
             <a:r>
               <a:rPr lang="en-US" altLang="en-US" dirty="0" smtClean="0"/>
-              <a:t>example cont.</a:t>
+              <a:t>example </a:t>
+            </a:r>
+            <a:r>
+              <a:rPr lang="en-US" altLang="en-US" dirty="0" smtClean="0"/>
+              <a:t>(cont.)</a:t>
             </a:r>
             <a:endParaRPr lang="en-US" altLang="en-US" dirty="0"/>
           </a:p>
@@ -9763,11 +9781,7 @@
           <a:p>
             <a:r>
               <a:rPr lang="en-US" dirty="0"/>
-              <a:t>What are the advantages and disadvantages of symmetric cryptography and asymmetric cryptography?</a:t>
-            </a:r>
-            <a:r>
-              <a:rPr lang="en-US" dirty="0"/>
-              <a:t> </a:t>
+              <a:t>What are the advantages and disadvantages of symmetric cryptography and asymmetric cryptography? </a:t>
             </a:r>
           </a:p>
         </p:txBody>

--- a/IntroCyberSecurity/Module 2 Cryptography/Lesson_2_Symmetric_and_Asymmetric Cryptography.pptx
+++ b/IntroCyberSecurity/Module 2 Cryptography/Lesson_2_Symmetric_and_Asymmetric Cryptography.pptx
@@ -50,7 +50,7 @@
     <p:sldId id="410" r:id="rId38"/>
     <p:sldId id="421" r:id="rId39"/>
     <p:sldId id="417" r:id="rId40"/>
-    <p:sldId id="333" r:id="rId41"/>
+    <p:sldId id="422" r:id="rId41"/>
   </p:sldIdLst>
   <p:sldSz cx="9144000" cy="6858000" type="screen4x3"/>
   <p:notesSz cx="7315200" cy="9601200"/>
@@ -287,7 +287,7 @@
           <a:p>
             <a:fld id="{E8B7D031-8E08-E042-A4B0-A044082812C5}" type="datetimeFigureOut">
               <a:rPr lang="en-US" smtClean="0"/>
-              <a:t>4/3/18</a:t>
+              <a:t>4/24/18</a:t>
             </a:fld>
             <a:endParaRPr lang="en-US"/>
           </a:p>
@@ -480,7 +480,7 @@
               <a:pPr>
                 <a:defRPr/>
               </a:pPr>
-              <a:t>4/3/18</a:t>
+              <a:t>4/24/18</a:t>
             </a:fld>
             <a:endParaRPr lang="en-US"/>
           </a:p>
@@ -910,10 +910,39 @@
           </a:p>
         </p:txBody>
       </p:sp>
+      <p:sp>
+        <p:nvSpPr>
+          <p:cNvPr id="4" name="Slide Number Placeholder 3"/>
+          <p:cNvSpPr>
+            <a:spLocks noGrp="1"/>
+          </p:cNvSpPr>
+          <p:nvPr>
+            <p:ph type="sldNum" sz="quarter" idx="10"/>
+          </p:nvPr>
+        </p:nvSpPr>
+        <p:spPr/>
+        <p:txBody>
+          <a:bodyPr/>
+          <a:lstStyle/>
+          <a:p>
+            <a:pPr>
+              <a:defRPr/>
+            </a:pPr>
+            <a:fld id="{ABC2C3F8-920C-4239-9891-79F2271E8033}" type="slidenum">
+              <a:rPr lang="en-US" smtClean="0"/>
+              <a:pPr>
+                <a:defRPr/>
+              </a:pPr>
+              <a:t>40</a:t>
+            </a:fld>
+            <a:endParaRPr lang="en-US"/>
+          </a:p>
+        </p:txBody>
+      </p:sp>
     </p:spTree>
     <p:extLst>
       <p:ext uri="{BB962C8B-B14F-4D97-AF65-F5344CB8AC3E}">
-        <p14:creationId xmlns:p14="http://schemas.microsoft.com/office/powerpoint/2010/main" val="2433617412"/>
+        <p14:creationId xmlns:p14="http://schemas.microsoft.com/office/powerpoint/2010/main" val="104610720"/>
       </p:ext>
     </p:extLst>
   </p:cSld>
@@ -2877,7 +2906,7 @@
           <p:cNvPr id="3" name="Slide Number Placeholder 2">
             <a:extLst>
               <a:ext uri="{FF2B5EF4-FFF2-40B4-BE49-F238E27FC236}">
-                <a16:creationId xmlns="" xmlns:a16="http://schemas.microsoft.com/office/drawing/2014/main" id="{7D2FFADE-E1BC-48C1-83AA-6DDDD39A33C4}"/>
+                <a16:creationId xmlns:a16="http://schemas.microsoft.com/office/drawing/2014/main" xmlns="" id="{7D2FFADE-E1BC-48C1-83AA-6DDDD39A33C4}"/>
               </a:ext>
             </a:extLst>
           </p:cNvPr>
@@ -2912,7 +2941,7 @@
           <p:cNvPr id="9" name="Picture 8">
             <a:extLst>
               <a:ext uri="{FF2B5EF4-FFF2-40B4-BE49-F238E27FC236}">
-                <a16:creationId xmlns="" xmlns:a16="http://schemas.microsoft.com/office/drawing/2014/main" id="{9CBFC76A-A606-42CF-BCDF-C73975C150B9}"/>
+                <a16:creationId xmlns:a16="http://schemas.microsoft.com/office/drawing/2014/main" xmlns="" id="{9CBFC76A-A606-42CF-BCDF-C73975C150B9}"/>
               </a:ext>
             </a:extLst>
           </p:cNvPr>
@@ -2942,7 +2971,7 @@
           <p:cNvPr id="2" name="Title 1">
             <a:extLst>
               <a:ext uri="{FF2B5EF4-FFF2-40B4-BE49-F238E27FC236}">
-                <a16:creationId xmlns="" xmlns:a16="http://schemas.microsoft.com/office/drawing/2014/main" id="{5C287DE2-E1A2-4F41-96FE-94AF4425CB03}"/>
+                <a16:creationId xmlns:a16="http://schemas.microsoft.com/office/drawing/2014/main" xmlns="" id="{5C287DE2-E1A2-4F41-96FE-94AF4425CB03}"/>
               </a:ext>
             </a:extLst>
           </p:cNvPr>
@@ -4007,7 +4036,7 @@
           <p:cNvPr id="2" name="Title 1">
             <a:extLst>
               <a:ext uri="{FF2B5EF4-FFF2-40B4-BE49-F238E27FC236}">
-                <a16:creationId xmlns="" xmlns:a16="http://schemas.microsoft.com/office/drawing/2014/main" id="{6EB309E1-B997-4458-AE28-FCADE36405DE}"/>
+                <a16:creationId xmlns:a16="http://schemas.microsoft.com/office/drawing/2014/main" xmlns="" id="{6EB309E1-B997-4458-AE28-FCADE36405DE}"/>
               </a:ext>
             </a:extLst>
           </p:cNvPr>
@@ -4058,7 +4087,7 @@
           <p:cNvPr id="3" name="Subtitle 2">
             <a:extLst>
               <a:ext uri="{FF2B5EF4-FFF2-40B4-BE49-F238E27FC236}">
-                <a16:creationId xmlns="" xmlns:a16="http://schemas.microsoft.com/office/drawing/2014/main" id="{6E3BDCF0-5416-4AF1-BF2C-3F3EE2810088}"/>
+                <a16:creationId xmlns:a16="http://schemas.microsoft.com/office/drawing/2014/main" xmlns="" id="{6E3BDCF0-5416-4AF1-BF2C-3F3EE2810088}"/>
               </a:ext>
             </a:extLst>
           </p:cNvPr>
@@ -6516,11 +6545,7 @@
           <a:p>
             <a:r>
               <a:rPr lang="en-US" altLang="en-US" dirty="0" smtClean="0"/>
-              <a:t>AES Algorithm cycle </a:t>
-            </a:r>
-            <a:r>
-              <a:rPr lang="en-US" altLang="en-US" dirty="0" smtClean="0"/>
-              <a:t>(cont.)</a:t>
+              <a:t>AES Algorithm cycle (cont.)</a:t>
             </a:r>
             <a:endParaRPr lang="en-US" altLang="en-US" dirty="0"/>
           </a:p>
@@ -6943,11 +6968,7 @@
             </a:r>
             <a:r>
               <a:rPr lang="en-US" altLang="en-US" dirty="0" smtClean="0"/>
-              <a:t>Cryptography </a:t>
-            </a:r>
-            <a:r>
-              <a:rPr lang="en-US" altLang="en-US" dirty="0" smtClean="0"/>
-              <a:t>(cont.)</a:t>
+              <a:t>Cryptography (cont.)</a:t>
             </a:r>
             <a:endParaRPr lang="en-US" altLang="en-US" dirty="0"/>
           </a:p>
@@ -7283,7 +7304,7 @@
           <p:cNvPr id="2" name="Title 1">
             <a:extLst>
               <a:ext uri="{FF2B5EF4-FFF2-40B4-BE49-F238E27FC236}">
-                <a16:creationId xmlns:a16="http://schemas.microsoft.com/office/drawing/2014/main" xmlns="" id="{1A8F25A2-B080-4502-A572-91A7774E37E8}"/>
+                <a16:creationId xmlns="" xmlns:a16="http://schemas.microsoft.com/office/drawing/2014/main" id="{1A8F25A2-B080-4502-A572-91A7774E37E8}"/>
               </a:ext>
             </a:extLst>
           </p:cNvPr>
@@ -7314,7 +7335,7 @@
               <p:cNvPr id="3" name="Content Placeholder 2">
                 <a:extLst>
                   <a:ext uri="{FF2B5EF4-FFF2-40B4-BE49-F238E27FC236}">
-                    <a16:creationId xmlns:a16="http://schemas.microsoft.com/office/drawing/2014/main" xmlns="" id="{6671ACD4-CABC-428A-A819-4AB43C34A6E4}"/>
+                    <a16:creationId xmlns="" xmlns:a16="http://schemas.microsoft.com/office/drawing/2014/main" id="{6671ACD4-CABC-428A-A819-4AB43C34A6E4}"/>
                   </a:ext>
                 </a:extLst>
               </p:cNvPr>
@@ -7540,7 +7561,7 @@
           <p:cNvPr id="2" name="Title 1">
             <a:extLst>
               <a:ext uri="{FF2B5EF4-FFF2-40B4-BE49-F238E27FC236}">
-                <a16:creationId xmlns:a16="http://schemas.microsoft.com/office/drawing/2014/main" xmlns="" id="{90F1038B-07E9-4DC8-9414-635D2F9239EA}"/>
+                <a16:creationId xmlns="" xmlns:a16="http://schemas.microsoft.com/office/drawing/2014/main" id="{90F1038B-07E9-4DC8-9414-635D2F9239EA}"/>
               </a:ext>
             </a:extLst>
           </p:cNvPr>
@@ -7558,11 +7579,7 @@
           <a:p>
             <a:r>
               <a:rPr lang="en-US" dirty="0" smtClean="0"/>
-              <a:t>Euler's totient function </a:t>
-            </a:r>
-            <a:r>
-              <a:rPr lang="en-US" dirty="0" smtClean="0"/>
-              <a:t>(cont.)</a:t>
+              <a:t>Euler's totient function (cont.)</a:t>
             </a:r>
             <a:endParaRPr lang="en-US" dirty="0"/>
           </a:p>
@@ -7573,7 +7590,7 @@
           <p:cNvPr id="3" name="Content Placeholder 2">
             <a:extLst>
               <a:ext uri="{FF2B5EF4-FFF2-40B4-BE49-F238E27FC236}">
-                <a16:creationId xmlns:a16="http://schemas.microsoft.com/office/drawing/2014/main" xmlns="" id="{776D67B6-FE29-4FDC-B063-112F042899CA}"/>
+                <a16:creationId xmlns="" xmlns:a16="http://schemas.microsoft.com/office/drawing/2014/main" id="{776D67B6-FE29-4FDC-B063-112F042899CA}"/>
               </a:ext>
             </a:extLst>
           </p:cNvPr>
@@ -7820,7 +7837,7 @@
           <p:cNvPr id="2" name="Title 1">
             <a:extLst>
               <a:ext uri="{FF2B5EF4-FFF2-40B4-BE49-F238E27FC236}">
-                <a16:creationId xmlns:a16="http://schemas.microsoft.com/office/drawing/2014/main" xmlns="" id="{921905B0-BC4F-4A5E-843E-47374CCF0604}"/>
+                <a16:creationId xmlns="" xmlns:a16="http://schemas.microsoft.com/office/drawing/2014/main" id="{921905B0-BC4F-4A5E-843E-47374CCF0604}"/>
               </a:ext>
             </a:extLst>
           </p:cNvPr>
@@ -7849,7 +7866,7 @@
           <p:cNvPr id="3" name="Content Placeholder 2">
             <a:extLst>
               <a:ext uri="{FF2B5EF4-FFF2-40B4-BE49-F238E27FC236}">
-                <a16:creationId xmlns:a16="http://schemas.microsoft.com/office/drawing/2014/main" xmlns="" id="{F426EAAB-61EB-4150-955C-89CC3A888D6B}"/>
+                <a16:creationId xmlns="" xmlns:a16="http://schemas.microsoft.com/office/drawing/2014/main" id="{F426EAAB-61EB-4150-955C-89CC3A888D6B}"/>
               </a:ext>
             </a:extLst>
           </p:cNvPr>
@@ -8899,11 +8916,7 @@
             </a:r>
             <a:r>
               <a:rPr lang="en-US" altLang="en-US" dirty="0" smtClean="0"/>
-              <a:t>example </a:t>
-            </a:r>
-            <a:r>
-              <a:rPr lang="en-US" altLang="en-US" dirty="0" smtClean="0"/>
-              <a:t>(cont.)</a:t>
+              <a:t>example (cont.)</a:t>
             </a:r>
             <a:endParaRPr lang="en-US" altLang="en-US" dirty="0"/>
           </a:p>
@@ -9513,11 +9526,7 @@
             </a:r>
             <a:r>
               <a:rPr lang="en-US" altLang="en-US" dirty="0" smtClean="0"/>
-              <a:t>example </a:t>
-            </a:r>
-            <a:r>
-              <a:rPr lang="en-US" altLang="en-US" dirty="0" smtClean="0"/>
-              <a:t>(cont.)</a:t>
+              <a:t>example (cont.)</a:t>
             </a:r>
             <a:endParaRPr lang="en-US" altLang="en-US" dirty="0"/>
           </a:p>
@@ -10043,10 +10052,10 @@
       </p:grpSpPr>
       <p:sp>
         <p:nvSpPr>
-          <p:cNvPr id="8" name="Title 1">
+          <p:cNvPr id="7" name="Slide Number Placeholder 6">
             <a:extLst>
               <a:ext uri="{FF2B5EF4-FFF2-40B4-BE49-F238E27FC236}">
-                <a16:creationId xmlns="" xmlns:a16="http://schemas.microsoft.com/office/drawing/2014/main" id="{992F630B-24C8-4726-85FB-CF06F2B12F86}"/>
+                <a16:creationId xmlns="" xmlns:a16="http://schemas.microsoft.com/office/drawing/2014/main" id="{27B55DC7-B95B-4807-B808-1E7A81E0F45A}"/>
               </a:ext>
             </a:extLst>
           </p:cNvPr>
@@ -10054,264 +10063,340 @@
             <a:spLocks noGrp="1"/>
           </p:cNvSpPr>
           <p:nvPr>
-            <p:ph type="title"/>
+            <p:ph type="sldNum" sz="quarter" idx="10"/>
           </p:nvPr>
         </p:nvSpPr>
         <p:spPr/>
         <p:txBody>
-          <a:bodyPr anchor="t"/>
+          <a:bodyPr/>
+          <a:lstStyle/>
+          <a:p>
+            <a:fld id="{FB267019-40B7-405C-98B7-75F3216AFF79}" type="slidenum">
+              <a:rPr lang="en-US" smtClean="0"/>
+              <a:pPr/>
+              <a:t>40</a:t>
+            </a:fld>
+            <a:endParaRPr lang="en-US" dirty="0"/>
+          </a:p>
+        </p:txBody>
+      </p:sp>
+      <p:sp>
+        <p:nvSpPr>
+          <p:cNvPr id="19" name="Text Placeholder 7">
+            <a:extLst>
+              <a:ext uri="{FF2B5EF4-FFF2-40B4-BE49-F238E27FC236}">
+                <a16:creationId xmlns="" xmlns:a16="http://schemas.microsoft.com/office/drawing/2014/main" id="{2785A2B3-FCF4-4D59-9841-12917D91B27A}"/>
+              </a:ext>
+            </a:extLst>
+          </p:cNvPr>
+          <p:cNvSpPr txBox="1">
+            <a:spLocks/>
+          </p:cNvSpPr>
+          <p:nvPr/>
+        </p:nvSpPr>
+        <p:spPr>
+          <a:xfrm>
+            <a:off x="725683" y="871606"/>
+            <a:ext cx="7893050" cy="5114787"/>
+          </a:xfrm>
+          <a:prstGeom prst="rect">
+            <a:avLst/>
+          </a:prstGeom>
+        </p:spPr>
+        <p:txBody>
+          <a:bodyPr/>
           <a:lstStyle>
-            <a:lvl1pPr algn="ctr">
-              <a:defRPr sz="1800"/>
+            <a:lvl1pPr marL="0" indent="0" algn="ctr" defTabSz="685800" rtl="0" eaLnBrk="0" fontAlgn="base" hangingPunct="0">
+              <a:lnSpc>
+                <a:spcPct val="90000"/>
+              </a:lnSpc>
+              <a:spcBef>
+                <a:spcPts val="750"/>
+              </a:spcBef>
+              <a:spcAft>
+                <a:spcPct val="0"/>
+              </a:spcAft>
+              <a:buFont typeface="Arial" charset="0"/>
+              <a:buNone/>
+              <a:defRPr sz="1800" kern="1200">
+                <a:solidFill>
+                  <a:schemeClr val="tx1"/>
+                </a:solidFill>
+                <a:latin typeface="+mn-lt"/>
+                <a:ea typeface="+mn-ea"/>
+                <a:cs typeface="+mn-cs"/>
+              </a:defRPr>
             </a:lvl1pPr>
+            <a:lvl2pPr marL="514350" indent="-171450" algn="l" defTabSz="685800" rtl="0" eaLnBrk="0" fontAlgn="base" hangingPunct="0">
+              <a:lnSpc>
+                <a:spcPct val="90000"/>
+              </a:lnSpc>
+              <a:spcBef>
+                <a:spcPts val="375"/>
+              </a:spcBef>
+              <a:spcAft>
+                <a:spcPct val="0"/>
+              </a:spcAft>
+              <a:buFont typeface="Arial" charset="0"/>
+              <a:buChar char="•"/>
+              <a:defRPr sz="2400" kern="1200">
+                <a:solidFill>
+                  <a:schemeClr val="tx1"/>
+                </a:solidFill>
+                <a:latin typeface="+mn-lt"/>
+                <a:ea typeface="+mn-ea"/>
+                <a:cs typeface="+mn-cs"/>
+              </a:defRPr>
+            </a:lvl2pPr>
+            <a:lvl3pPr marL="857250" indent="-171450" algn="l" defTabSz="685800" rtl="0" eaLnBrk="0" fontAlgn="base" hangingPunct="0">
+              <a:lnSpc>
+                <a:spcPct val="90000"/>
+              </a:lnSpc>
+              <a:spcBef>
+                <a:spcPts val="375"/>
+              </a:spcBef>
+              <a:spcAft>
+                <a:spcPct val="0"/>
+              </a:spcAft>
+              <a:buFont typeface="Arial" charset="0"/>
+              <a:buChar char="•"/>
+              <a:defRPr sz="1800" kern="1200">
+                <a:solidFill>
+                  <a:schemeClr val="tx1"/>
+                </a:solidFill>
+                <a:latin typeface="+mn-lt"/>
+                <a:ea typeface="+mn-ea"/>
+                <a:cs typeface="+mn-cs"/>
+              </a:defRPr>
+            </a:lvl3pPr>
+            <a:lvl4pPr marL="1200150" indent="-171450" algn="l" defTabSz="685800" rtl="0" eaLnBrk="0" fontAlgn="base" hangingPunct="0">
+              <a:lnSpc>
+                <a:spcPct val="90000"/>
+              </a:lnSpc>
+              <a:spcBef>
+                <a:spcPts val="375"/>
+              </a:spcBef>
+              <a:spcAft>
+                <a:spcPct val="0"/>
+              </a:spcAft>
+              <a:buFont typeface="Arial" charset="0"/>
+              <a:buChar char="•"/>
+              <a:defRPr sz="1600" kern="1200">
+                <a:solidFill>
+                  <a:schemeClr val="tx1"/>
+                </a:solidFill>
+                <a:latin typeface="+mn-lt"/>
+                <a:ea typeface="+mn-ea"/>
+                <a:cs typeface="+mn-cs"/>
+              </a:defRPr>
+            </a:lvl4pPr>
+            <a:lvl5pPr marL="1543050" indent="-171450" algn="l" defTabSz="685800" rtl="0" eaLnBrk="0" fontAlgn="base" hangingPunct="0">
+              <a:lnSpc>
+                <a:spcPct val="90000"/>
+              </a:lnSpc>
+              <a:spcBef>
+                <a:spcPts val="375"/>
+              </a:spcBef>
+              <a:spcAft>
+                <a:spcPct val="0"/>
+              </a:spcAft>
+              <a:buFont typeface="Arial" charset="0"/>
+              <a:buChar char="•"/>
+              <a:defRPr sz="1600" kern="1200">
+                <a:solidFill>
+                  <a:schemeClr val="tx1"/>
+                </a:solidFill>
+                <a:latin typeface="+mn-lt"/>
+                <a:ea typeface="+mn-ea"/>
+                <a:cs typeface="+mn-cs"/>
+              </a:defRPr>
+            </a:lvl5pPr>
+            <a:lvl6pPr marL="1885950" indent="-171450" algn="l" defTabSz="685800" rtl="0" eaLnBrk="1" latinLnBrk="0" hangingPunct="1">
+              <a:lnSpc>
+                <a:spcPct val="90000"/>
+              </a:lnSpc>
+              <a:spcBef>
+                <a:spcPts val="375"/>
+              </a:spcBef>
+              <a:buFont typeface="Arial" panose="020B0604020202020204" pitchFamily="34" charset="0"/>
+              <a:buChar char="•"/>
+              <a:defRPr sz="1350" kern="1200">
+                <a:solidFill>
+                  <a:schemeClr val="tx1"/>
+                </a:solidFill>
+                <a:latin typeface="+mn-lt"/>
+                <a:ea typeface="+mn-ea"/>
+                <a:cs typeface="+mn-cs"/>
+              </a:defRPr>
+            </a:lvl6pPr>
+            <a:lvl7pPr marL="2228850" indent="-171450" algn="l" defTabSz="685800" rtl="0" eaLnBrk="1" latinLnBrk="0" hangingPunct="1">
+              <a:lnSpc>
+                <a:spcPct val="90000"/>
+              </a:lnSpc>
+              <a:spcBef>
+                <a:spcPts val="375"/>
+              </a:spcBef>
+              <a:buFont typeface="Arial" panose="020B0604020202020204" pitchFamily="34" charset="0"/>
+              <a:buChar char="•"/>
+              <a:defRPr sz="1350" kern="1200">
+                <a:solidFill>
+                  <a:schemeClr val="tx1"/>
+                </a:solidFill>
+                <a:latin typeface="+mn-lt"/>
+                <a:ea typeface="+mn-ea"/>
+                <a:cs typeface="+mn-cs"/>
+              </a:defRPr>
+            </a:lvl7pPr>
+            <a:lvl8pPr marL="2571750" indent="-171450" algn="l" defTabSz="685800" rtl="0" eaLnBrk="1" latinLnBrk="0" hangingPunct="1">
+              <a:lnSpc>
+                <a:spcPct val="90000"/>
+              </a:lnSpc>
+              <a:spcBef>
+                <a:spcPts val="375"/>
+              </a:spcBef>
+              <a:buFont typeface="Arial" panose="020B0604020202020204" pitchFamily="34" charset="0"/>
+              <a:buChar char="•"/>
+              <a:defRPr sz="1350" kern="1200">
+                <a:solidFill>
+                  <a:schemeClr val="tx1"/>
+                </a:solidFill>
+                <a:latin typeface="+mn-lt"/>
+                <a:ea typeface="+mn-ea"/>
+                <a:cs typeface="+mn-cs"/>
+              </a:defRPr>
+            </a:lvl8pPr>
+            <a:lvl9pPr marL="2914650" indent="-171450" algn="l" defTabSz="685800" rtl="0" eaLnBrk="1" latinLnBrk="0" hangingPunct="1">
+              <a:lnSpc>
+                <a:spcPct val="90000"/>
+              </a:lnSpc>
+              <a:spcBef>
+                <a:spcPts val="375"/>
+              </a:spcBef>
+              <a:buFont typeface="Arial" panose="020B0604020202020204" pitchFamily="34" charset="0"/>
+              <a:buChar char="•"/>
+              <a:defRPr sz="1350" kern="1200">
+                <a:solidFill>
+                  <a:schemeClr val="tx1"/>
+                </a:solidFill>
+                <a:latin typeface="+mn-lt"/>
+                <a:ea typeface="+mn-ea"/>
+                <a:cs typeface="+mn-cs"/>
+              </a:defRPr>
+            </a:lvl9pPr>
           </a:lstStyle>
           <a:p>
-            <a:r>
-              <a:rPr lang="en-US" dirty="0">
-                <a:solidFill>
-                  <a:srgbClr val="FF00FF"/>
-                </a:solidFill>
-              </a:rPr>
-              <a:t/>
-            </a:r>
-            <a:br>
-              <a:rPr lang="en-US" dirty="0">
-                <a:solidFill>
-                  <a:srgbClr val="FF00FF"/>
-                </a:solidFill>
-              </a:rPr>
-            </a:br>
             <a:r>
               <a:rPr lang="en-US" dirty="0"/>
               <a:t>Please attribute Dr. Jim Alves-Foss and Dr. Jia Song, University of Idaho</a:t>
             </a:r>
-            <a:r>
-              <a:rPr lang="en-US" dirty="0">
-                <a:solidFill>
-                  <a:srgbClr val="FF00FF"/>
-                </a:solidFill>
-              </a:rPr>
+            <a:br>
+              <a:rPr lang="en-US" dirty="0"/>
+            </a:br>
+            <a:r>
+              <a:rPr lang="en-US" dirty="0"/>
               <a:t/>
             </a:r>
             <a:br>
-              <a:rPr lang="en-US" dirty="0">
-                <a:solidFill>
-                  <a:srgbClr val="FF00FF"/>
-                </a:solidFill>
-              </a:rPr>
+              <a:rPr lang="en-US" dirty="0"/>
             </a:br>
             <a:r>
-              <a:rPr lang="en-US" dirty="0">
-                <a:solidFill>
-                  <a:srgbClr val="FF00FF"/>
-                </a:solidFill>
-              </a:rPr>
+              <a:rPr lang="en-US" dirty="0"/>
               <a:t/>
             </a:r>
             <a:br>
-              <a:rPr lang="en-US" dirty="0">
-                <a:solidFill>
-                  <a:srgbClr val="FF00FF"/>
-                </a:solidFill>
-              </a:rPr>
+              <a:rPr lang="en-US" dirty="0"/>
             </a:br>
             <a:r>
-              <a:rPr lang="en-US" dirty="0">
-                <a:solidFill>
-                  <a:srgbClr val="FF00FF"/>
-                </a:solidFill>
-              </a:rPr>
+              <a:rPr lang="en-US" dirty="0"/>
               <a:t/>
             </a:r>
             <a:br>
-              <a:rPr lang="en-US" dirty="0">
-                <a:solidFill>
-                  <a:srgbClr val="FF00FF"/>
-                </a:solidFill>
-              </a:rPr>
+              <a:rPr lang="en-US" dirty="0"/>
             </a:br>
             <a:r>
-              <a:rPr lang="en-US" dirty="0">
-                <a:solidFill>
-                  <a:srgbClr val="FF00FF"/>
-                </a:solidFill>
-              </a:rPr>
+              <a:rPr lang="en-US" dirty="0"/>
               <a:t/>
             </a:r>
             <a:br>
-              <a:rPr lang="en-US" dirty="0">
-                <a:solidFill>
-                  <a:srgbClr val="FF00FF"/>
-                </a:solidFill>
-              </a:rPr>
+              <a:rPr lang="en-US" dirty="0"/>
             </a:br>
             <a:r>
-              <a:rPr lang="en-US" dirty="0">
-                <a:solidFill>
-                  <a:srgbClr val="FF00FF"/>
-                </a:solidFill>
-              </a:rPr>
+              <a:rPr lang="en-US" dirty="0"/>
               <a:t/>
             </a:r>
             <a:br>
-              <a:rPr lang="en-US" dirty="0">
-                <a:solidFill>
-                  <a:srgbClr val="FF00FF"/>
-                </a:solidFill>
-              </a:rPr>
+              <a:rPr lang="en-US" dirty="0"/>
             </a:br>
             <a:r>
-              <a:rPr lang="en-US" dirty="0">
-                <a:solidFill>
-                  <a:srgbClr val="FF00FF"/>
-                </a:solidFill>
-              </a:rPr>
+              <a:rPr lang="en-US" dirty="0"/>
               <a:t/>
             </a:r>
             <a:br>
-              <a:rPr lang="en-US" dirty="0">
-                <a:solidFill>
-                  <a:srgbClr val="FF00FF"/>
-                </a:solidFill>
-              </a:rPr>
+              <a:rPr lang="en-US" dirty="0"/>
             </a:br>
             <a:r>
-              <a:rPr lang="en-US" dirty="0">
-                <a:solidFill>
-                  <a:srgbClr val="FF00FF"/>
-                </a:solidFill>
-              </a:rPr>
+              <a:rPr lang="en-US" dirty="0"/>
               <a:t/>
             </a:r>
             <a:br>
-              <a:rPr lang="en-US" dirty="0">
-                <a:solidFill>
-                  <a:srgbClr val="FF00FF"/>
-                </a:solidFill>
-              </a:rPr>
+              <a:rPr lang="en-US" dirty="0"/>
             </a:br>
-            <a:r>
-              <a:rPr lang="en-US" dirty="0">
-                <a:solidFill>
-                  <a:srgbClr val="FF00FF"/>
-                </a:solidFill>
-              </a:rPr>
+            <a:endParaRPr lang="en-US" dirty="0"/>
+          </a:p>
+          <a:p>
+            <a:r>
+              <a:rPr lang="en-US" sz="1600" dirty="0"/>
+              <a:t>Except where otherwise noted, this work is licensed under https://creativecommons.org/licenses/by-nc-sa/4.0/</a:t>
+            </a:r>
+            <a:br>
+              <a:rPr lang="en-US" sz="1600" dirty="0"/>
+            </a:br>
+            <a:r>
+              <a:rPr lang="en-US" sz="1600" dirty="0"/>
               <a:t/>
             </a:r>
             <a:br>
-              <a:rPr lang="en-US" dirty="0">
-                <a:solidFill>
-                  <a:srgbClr val="FF00FF"/>
-                </a:solidFill>
-              </a:rPr>
+              <a:rPr lang="en-US" sz="1600" dirty="0"/>
             </a:br>
             <a:r>
-              <a:rPr lang="en-US" dirty="0">
-                <a:solidFill>
-                  <a:srgbClr val="FF00FF"/>
-                </a:solidFill>
-              </a:rPr>
+              <a:rPr lang="en-US" sz="1600" dirty="0"/>
+              <a:t>Not withstanding the non-commercial license terms, non-profit educational institutions are granted a non-exclusive license to adapt and use this material, with attribution.</a:t>
+            </a:r>
+            <a:br>
+              <a:rPr lang="en-US" sz="1600" dirty="0"/>
+            </a:br>
+            <a:r>
+              <a:rPr lang="en-US" sz="1600" dirty="0"/>
               <a:t/>
             </a:r>
             <a:br>
-              <a:rPr lang="en-US" dirty="0">
-                <a:solidFill>
-                  <a:srgbClr val="FF00FF"/>
-                </a:solidFill>
-              </a:rPr>
+              <a:rPr lang="en-US" sz="1600" dirty="0"/>
             </a:br>
             <a:r>
-              <a:rPr lang="en-US" dirty="0"/>
-              <a:t>Except where otherwise noted, this work is licensed under https://creativecommons.org/licenses/by-nc-sa/4.0/</a:t>
-            </a:r>
-            <a:r>
-              <a:rPr lang="en-US" dirty="0">
-                <a:solidFill>
-                  <a:srgbClr val="FF00FF"/>
-                </a:solidFill>
-              </a:rPr>
-              <a:t/>
-            </a:r>
-            <a:br>
-              <a:rPr lang="en-US" dirty="0">
-                <a:solidFill>
-                  <a:srgbClr val="FF00FF"/>
-                </a:solidFill>
-              </a:rPr>
-            </a:br>
-            <a:r>
-              <a:rPr lang="en-US" dirty="0">
-                <a:solidFill>
-                  <a:srgbClr val="FF00FF"/>
-                </a:solidFill>
-              </a:rPr>
-              <a:t/>
-            </a:r>
-            <a:br>
-              <a:rPr lang="en-US" dirty="0">
-                <a:solidFill>
-                  <a:srgbClr val="FF00FF"/>
-                </a:solidFill>
-              </a:rPr>
-            </a:br>
-            <a:r>
-              <a:rPr lang="en-US" dirty="0"/>
-              <a:t>Not withstanding the non-commercial license terms, non-profit educational institutions are granted a non-exclusive license to adapt and use this material, with attribution.</a:t>
-            </a:r>
-            <a:r>
-              <a:rPr lang="en-US" dirty="0">
-                <a:solidFill>
-                  <a:srgbClr val="FF00FF"/>
-                </a:solidFill>
-              </a:rPr>
-              <a:t/>
-            </a:r>
-            <a:br>
-              <a:rPr lang="en-US" dirty="0">
-                <a:solidFill>
-                  <a:srgbClr val="FF00FF"/>
-                </a:solidFill>
-              </a:rPr>
-            </a:br>
-            <a:r>
-              <a:rPr lang="en-US" dirty="0">
-                <a:solidFill>
-                  <a:srgbClr val="FF00FF"/>
-                </a:solidFill>
-              </a:rPr>
-              <a:t/>
-            </a:r>
-            <a:br>
-              <a:rPr lang="en-US" dirty="0">
-                <a:solidFill>
-                  <a:srgbClr val="FF00FF"/>
-                </a:solidFill>
-              </a:rPr>
-            </a:br>
-            <a:r>
-              <a:rPr lang="en-US" dirty="0"/>
-              <a:t>Creative Commons and the double C in a circle are registered trademarks of Creative commons in the United States and other countries. Third party marks and brands are the property of their respective holders.</a:t>
-            </a:r>
-            <a:r>
-              <a:rPr lang="en-US" dirty="0">
-                <a:solidFill>
-                  <a:srgbClr val="FF00FF"/>
-                </a:solidFill>
-              </a:rPr>
-              <a:t/>
-            </a:r>
-            <a:br>
-              <a:rPr lang="en-US" dirty="0">
-                <a:solidFill>
-                  <a:srgbClr val="FF00FF"/>
-                </a:solidFill>
-              </a:rPr>
-            </a:br>
-            <a:endParaRPr lang="en-US" dirty="0">
-              <a:solidFill>
-                <a:srgbClr val="FF00FF"/>
-              </a:solidFill>
-            </a:endParaRPr>
+              <a:rPr lang="en-US" sz="1600" dirty="0"/>
+              <a:t>Creative Commons and the double C in a circle are registered trademarks of Creative commons in the United States and other countries. Third party marks and brands are the property of their respective holders</a:t>
+            </a:r>
+            <a:r>
+              <a:rPr lang="en-US" sz="1600" dirty="0" smtClean="0"/>
+              <a:t>.</a:t>
+            </a:r>
+          </a:p>
+          <a:p>
+            <a:r>
+              <a:rPr lang="en-US" sz="1600" dirty="0"/>
+              <a:t>Project sponsored by the National Security Agency under grant Number </a:t>
+            </a:r>
+            <a:r>
+              <a:rPr lang="en-US" sz="1600" dirty="0" smtClean="0"/>
+              <a:t>H98230-17-1-0199. The </a:t>
+            </a:r>
+            <a:r>
+              <a:rPr lang="en-US" sz="1600" dirty="0"/>
+              <a:t>United States Government is authorized to reproduce and distribute reprints notwithstanding any copyright notation herein.</a:t>
+            </a:r>
+          </a:p>
+          <a:p>
+            <a:endParaRPr lang="en-US" sz="1600" dirty="0"/>
           </a:p>
         </p:txBody>
       </p:sp>
@@ -10321,20 +10406,13 @@
     </p:custDataLst>
     <p:extLst>
       <p:ext uri="{BB962C8B-B14F-4D97-AF65-F5344CB8AC3E}">
-        <p14:creationId xmlns:p14="http://schemas.microsoft.com/office/powerpoint/2010/main" val="1892705052"/>
+        <p14:creationId xmlns:p14="http://schemas.microsoft.com/office/powerpoint/2010/main" val="1156864494"/>
       </p:ext>
     </p:extLst>
   </p:cSld>
   <p:clrMapOvr>
     <a:masterClrMapping/>
   </p:clrMapOvr>
-  <p:timing>
-    <p:tnLst>
-      <p:par>
-        <p:cTn id="1" dur="indefinite" restart="never" nodeType="tmRoot"/>
-      </p:par>
-    </p:tnLst>
-  </p:timing>
 </p:sld>
 </file>
 
@@ -11041,12 +11119,13 @@
   <p:tag name="AUDIO_ID" val="333"/>
   <p:tag name="ARTICULATE_NAV_LEVEL" val="1"/>
   <p:tag name="ARTICULATE_TOC_EXPANDED" val="True"/>
-  <p:tag name="ARTICULATE_SLIDE_PRESENTER_GUID" val="ee58492c-7408-4409-b5d7-fc69e46ae5b4"/>
-  <p:tag name="ARTICULATE_SLIDE_PAUSE" val="1"/>
+  <p:tag name="ARTICULATE_SLIDE_PRESENTER_GUID" val="b6afec6b-4ad9-49aa-931c-79381ce9333b"/>
+  <p:tag name="ARTICULATE_SLIDE_PAUSE" val="0"/>
   <p:tag name="ARTICULATE_HIDE_SLIDE" val="0"/>
   <p:tag name="ARTICULATE_PLAYER_CONTROL_PREVIOUS" val="True"/>
   <p:tag name="ARTICULATE_PLAYER_CONTROL_NEXT" val="True"/>
   <p:tag name="ARTICULATE_USED_LAYOUT" val="9"/>
+  <p:tag name="ARTICULATE_SLIDE_THUMBNAIL_REFRESH" val="1"/>
 </p:tagLst>
 </file>
 
